--- a/TeamProjectPPT_updated.pptx
+++ b/TeamProjectPPT_updated.pptx
@@ -295,7 +295,7 @@
             <a:fld id="{276D79ED-3FA7-4EF8-964B-EB8BCFAB02F8}" type="datetimeFigureOut">
               <a:rPr lang="en-US" smtClean="0"/>
               <a:pPr/>
-              <a:t>5/11/22</a:t>
+              <a:t>5/11/2022</a:t>
             </a:fld>
             <a:endParaRPr lang="en-US"/>
           </a:p>
@@ -541,7 +541,7 @@
           <a:p>
             <a:fld id="{276D79ED-3FA7-4EF8-964B-EB8BCFAB02F8}" type="datetimeFigureOut">
               <a:rPr lang="en-US" smtClean="0"/>
-              <a:t>5/11/22</a:t>
+              <a:t>5/11/2022</a:t>
             </a:fld>
             <a:endParaRPr lang="en-US"/>
           </a:p>
@@ -818,7 +818,7 @@
           <a:p>
             <a:fld id="{276D79ED-3FA7-4EF8-964B-EB8BCFAB02F8}" type="datetimeFigureOut">
               <a:rPr lang="en-US" smtClean="0"/>
-              <a:t>5/11/22</a:t>
+              <a:t>5/11/2022</a:t>
             </a:fld>
             <a:endParaRPr lang="en-US"/>
           </a:p>
@@ -1059,7 +1059,7 @@
           <a:p>
             <a:fld id="{276D79ED-3FA7-4EF8-964B-EB8BCFAB02F8}" type="datetimeFigureOut">
               <a:rPr lang="en-US" smtClean="0"/>
-              <a:t>5/11/22</a:t>
+              <a:t>5/11/2022</a:t>
             </a:fld>
             <a:endParaRPr lang="en-US"/>
           </a:p>
@@ -1423,7 +1423,7 @@
           <a:p>
             <a:fld id="{276D79ED-3FA7-4EF8-964B-EB8BCFAB02F8}" type="datetimeFigureOut">
               <a:rPr lang="en-US" smtClean="0"/>
-              <a:t>5/11/22</a:t>
+              <a:t>5/11/2022</a:t>
             </a:fld>
             <a:endParaRPr lang="en-US"/>
           </a:p>
@@ -1540,7 +1540,7 @@
           <a:p>
             <a:fld id="{276D79ED-3FA7-4EF8-964B-EB8BCFAB02F8}" type="datetimeFigureOut">
               <a:rPr lang="en-US" smtClean="0"/>
-              <a:t>5/11/22</a:t>
+              <a:t>5/11/2022</a:t>
             </a:fld>
             <a:endParaRPr lang="en-US"/>
           </a:p>
@@ -1635,7 +1635,7 @@
           <a:p>
             <a:fld id="{276D79ED-3FA7-4EF8-964B-EB8BCFAB02F8}" type="datetimeFigureOut">
               <a:rPr lang="en-US" smtClean="0"/>
-              <a:t>5/11/22</a:t>
+              <a:t>5/11/2022</a:t>
             </a:fld>
             <a:endParaRPr lang="en-US"/>
           </a:p>
@@ -1911,7 +1911,7 @@
           <a:p>
             <a:fld id="{276D79ED-3FA7-4EF8-964B-EB8BCFAB02F8}" type="datetimeFigureOut">
               <a:rPr lang="en-US" smtClean="0"/>
-              <a:t>5/11/22</a:t>
+              <a:t>5/11/2022</a:t>
             </a:fld>
             <a:endParaRPr lang="en-US"/>
           </a:p>
@@ -2167,7 +2167,7 @@
           <a:p>
             <a:fld id="{276D79ED-3FA7-4EF8-964B-EB8BCFAB02F8}" type="datetimeFigureOut">
               <a:rPr lang="en-US" smtClean="0"/>
-              <a:t>5/11/22</a:t>
+              <a:t>5/11/2022</a:t>
             </a:fld>
             <a:endParaRPr lang="en-US"/>
           </a:p>
@@ -2391,7 +2391,7 @@
             <a:fld id="{276D79ED-3FA7-4EF8-964B-EB8BCFAB02F8}" type="datetimeFigureOut">
               <a:rPr lang="en-US" smtClean="0"/>
               <a:pPr/>
-              <a:t>5/11/22</a:t>
+              <a:t>5/11/2022</a:t>
             </a:fld>
             <a:endParaRPr lang="en-US"/>
           </a:p>
@@ -3003,7 +3003,7 @@
         </p:spPr>
         <p:txBody>
           <a:bodyPr>
-            <a:normAutofit fontScale="90000"/>
+            <a:normAutofit/>
           </a:bodyPr>
           <a:lstStyle/>
           <a:p>
@@ -5684,10 +5684,10 @@
       </p:sp>
       <p:pic>
         <p:nvPicPr>
-          <p:cNvPr id="4" name="Picture 3" descr="Chart, pie chart&#10;&#10;Description automatically generated">
+          <p:cNvPr id="11" name="Picture 10" descr="Chart, pie chart&#10;&#10;Description automatically generated">
             <a:extLst>
               <a:ext uri="{FF2B5EF4-FFF2-40B4-BE49-F238E27FC236}">
-                <a16:creationId xmlns:a16="http://schemas.microsoft.com/office/drawing/2014/main" id="{668AC547-9EF6-09B9-41AC-174E3BD86DCC}"/>
+                <a16:creationId xmlns:a16="http://schemas.microsoft.com/office/drawing/2014/main" id="{83C4B316-D853-EC56-34A6-05288EFD21E3}"/>
               </a:ext>
             </a:extLst>
           </p:cNvPr>
@@ -5710,8 +5710,8 @@
         </p:blipFill>
         <p:spPr>
           <a:xfrm>
-            <a:off x="1384455" y="3605623"/>
-            <a:ext cx="4641537" cy="2925931"/>
+            <a:off x="292785" y="913378"/>
+            <a:ext cx="7090823" cy="2899204"/>
           </a:xfrm>
           <a:prstGeom prst="rect">
             <a:avLst/>
@@ -5720,10 +5720,10 @@
       </p:pic>
       <p:pic>
         <p:nvPicPr>
-          <p:cNvPr id="10" name="Picture 9" descr="Chart, pie chart&#10;&#10;Description automatically generated">
+          <p:cNvPr id="14" name="Picture 13" descr="Chart, pie chart&#10;&#10;Description automatically generated">
             <a:extLst>
               <a:ext uri="{FF2B5EF4-FFF2-40B4-BE49-F238E27FC236}">
-                <a16:creationId xmlns:a16="http://schemas.microsoft.com/office/drawing/2014/main" id="{F616DF3A-4916-59D1-05CF-BB6C7E8F0B9F}"/>
+                <a16:creationId xmlns:a16="http://schemas.microsoft.com/office/drawing/2014/main" id="{EB13BDEA-BC3B-857C-8C29-0D6B753AF384}"/>
               </a:ext>
             </a:extLst>
           </p:cNvPr>
@@ -5746,8 +5746,8 @@
         </p:blipFill>
         <p:spPr>
           <a:xfrm>
-            <a:off x="326570" y="877535"/>
-            <a:ext cx="6757309" cy="2886055"/>
+            <a:off x="1366650" y="3627705"/>
+            <a:ext cx="4943091" cy="2930547"/>
           </a:xfrm>
           <a:prstGeom prst="rect">
             <a:avLst/>
@@ -5756,10 +5756,10 @@
       </p:pic>
       <p:sp>
         <p:nvSpPr>
-          <p:cNvPr id="12" name="TextBox 11">
+          <p:cNvPr id="15" name="TextBox 14">
             <a:extLst>
               <a:ext uri="{FF2B5EF4-FFF2-40B4-BE49-F238E27FC236}">
-                <a16:creationId xmlns:a16="http://schemas.microsoft.com/office/drawing/2014/main" id="{53B6B6DE-182F-3409-648F-732CAEF134FC}"/>
+                <a16:creationId xmlns:a16="http://schemas.microsoft.com/office/drawing/2014/main" id="{632E51DA-670F-517E-D6B3-7282A59EC241}"/>
               </a:ext>
             </a:extLst>
           </p:cNvPr>
@@ -5821,41 +5821,6 @@
       </p:grpSpPr>
       <p:sp>
         <p:nvSpPr>
-          <p:cNvPr id="2" name="TextBox 1">
-            <a:extLst>
-              <a:ext uri="{FF2B5EF4-FFF2-40B4-BE49-F238E27FC236}">
-                <a16:creationId xmlns:a16="http://schemas.microsoft.com/office/drawing/2014/main" id="{AC5AFD94-AD41-0CC6-8743-14C26DF9AD15}"/>
-              </a:ext>
-            </a:extLst>
-          </p:cNvPr>
-          <p:cNvSpPr txBox="1"/>
-          <p:nvPr/>
-        </p:nvSpPr>
-        <p:spPr>
-          <a:xfrm>
-            <a:off x="326572" y="231717"/>
-            <a:ext cx="8756196" cy="523220"/>
-          </a:xfrm>
-          <a:prstGeom prst="rect">
-            <a:avLst/>
-          </a:prstGeom>
-          <a:noFill/>
-        </p:spPr>
-        <p:txBody>
-          <a:bodyPr wrap="square" rtlCol="0">
-            <a:spAutoFit/>
-          </a:bodyPr>
-          <a:lstStyle/>
-          <a:p>
-            <a:r>
-              <a:rPr lang="en-US" sz="2800" b="1" dirty="0"/>
-              <a:t>What Kind of Content Appeared in the Daily Top 10?</a:t>
-            </a:r>
-          </a:p>
-        </p:txBody>
-      </p:sp>
-      <p:sp>
-        <p:nvSpPr>
           <p:cNvPr id="3" name="TextBox 2">
             <a:extLst>
               <a:ext uri="{FF2B5EF4-FFF2-40B4-BE49-F238E27FC236}">
@@ -5897,6 +5862,216 @@
             <a:r>
               <a:rPr lang="en-US" sz="2000" dirty="0"/>
               <a:t>While shows tended to do somewhat better than movies on average, the top performing slots were overwhelmingly slanted towards shows.</a:t>
+            </a:r>
+          </a:p>
+        </p:txBody>
+      </p:sp>
+      <p:sp>
+        <p:nvSpPr>
+          <p:cNvPr id="4" name="Text Placeholder 2">
+            <a:extLst>
+              <a:ext uri="{FF2B5EF4-FFF2-40B4-BE49-F238E27FC236}">
+                <a16:creationId xmlns:a16="http://schemas.microsoft.com/office/drawing/2014/main" id="{1F91A9FC-AD38-FCA7-9FA2-C720B8B71C85}"/>
+              </a:ext>
+            </a:extLst>
+          </p:cNvPr>
+          <p:cNvSpPr txBox="1">
+            <a:spLocks/>
+          </p:cNvSpPr>
+          <p:nvPr/>
+        </p:nvSpPr>
+        <p:spPr>
+          <a:xfrm>
+            <a:off x="333120" y="108617"/>
+            <a:ext cx="5928195" cy="489064"/>
+          </a:xfrm>
+          <a:prstGeom prst="rect">
+            <a:avLst/>
+          </a:prstGeom>
+        </p:spPr>
+        <p:txBody>
+          <a:bodyPr/>
+          <a:lstStyle>
+            <a:lvl1pPr marL="228600" indent="-228600" algn="l" defTabSz="914400" rtl="0" eaLnBrk="1" latinLnBrk="0" hangingPunct="1">
+              <a:lnSpc>
+                <a:spcPct val="90000"/>
+              </a:lnSpc>
+              <a:spcBef>
+                <a:spcPts val="1000"/>
+              </a:spcBef>
+              <a:buFontTx/>
+              <a:buBlip>
+                <a:blip r:embed="rId2"/>
+              </a:buBlip>
+              <a:defRPr sz="2800" b="0" i="0" kern="1200">
+                <a:solidFill>
+                  <a:schemeClr val="tx1"/>
+                </a:solidFill>
+                <a:latin typeface="Open Sans" panose="020B0606030504020204" pitchFamily="34" charset="0"/>
+                <a:ea typeface="Open Sans" panose="020B0606030504020204" pitchFamily="34" charset="0"/>
+                <a:cs typeface="Open Sans" panose="020B0606030504020204" pitchFamily="34" charset="0"/>
+              </a:defRPr>
+            </a:lvl1pPr>
+            <a:lvl2pPr marL="685800" indent="-228600" algn="l" defTabSz="914400" rtl="0" eaLnBrk="1" latinLnBrk="0" hangingPunct="1">
+              <a:lnSpc>
+                <a:spcPct val="90000"/>
+              </a:lnSpc>
+              <a:spcBef>
+                <a:spcPts val="500"/>
+              </a:spcBef>
+              <a:buFontTx/>
+              <a:buBlip>
+                <a:blip r:embed="rId2"/>
+              </a:buBlip>
+              <a:defRPr sz="2400" b="0" i="0" kern="1200">
+                <a:solidFill>
+                  <a:schemeClr val="tx1"/>
+                </a:solidFill>
+                <a:latin typeface="Open Sans" panose="020B0606030504020204" pitchFamily="34" charset="0"/>
+                <a:ea typeface="Open Sans" panose="020B0606030504020204" pitchFamily="34" charset="0"/>
+                <a:cs typeface="Open Sans" panose="020B0606030504020204" pitchFamily="34" charset="0"/>
+              </a:defRPr>
+            </a:lvl2pPr>
+            <a:lvl3pPr marL="1143000" indent="-228600" algn="l" defTabSz="914400" rtl="0" eaLnBrk="1" latinLnBrk="0" hangingPunct="1">
+              <a:lnSpc>
+                <a:spcPct val="90000"/>
+              </a:lnSpc>
+              <a:spcBef>
+                <a:spcPts val="500"/>
+              </a:spcBef>
+              <a:buFontTx/>
+              <a:buBlip>
+                <a:blip r:embed="rId2"/>
+              </a:buBlip>
+              <a:defRPr sz="2000" b="0" i="0" kern="1200">
+                <a:solidFill>
+                  <a:schemeClr val="tx1"/>
+                </a:solidFill>
+                <a:latin typeface="Open Sans" panose="020B0606030504020204" pitchFamily="34" charset="0"/>
+                <a:ea typeface="Open Sans" panose="020B0606030504020204" pitchFamily="34" charset="0"/>
+                <a:cs typeface="Open Sans" panose="020B0606030504020204" pitchFamily="34" charset="0"/>
+              </a:defRPr>
+            </a:lvl3pPr>
+            <a:lvl4pPr marL="1600200" indent="-228600" algn="l" defTabSz="914400" rtl="0" eaLnBrk="1" latinLnBrk="0" hangingPunct="1">
+              <a:lnSpc>
+                <a:spcPct val="90000"/>
+              </a:lnSpc>
+              <a:spcBef>
+                <a:spcPts val="500"/>
+              </a:spcBef>
+              <a:buFontTx/>
+              <a:buBlip>
+                <a:blip r:embed="rId2"/>
+              </a:buBlip>
+              <a:defRPr sz="1800" b="0" i="0" kern="1200">
+                <a:solidFill>
+                  <a:schemeClr val="tx1"/>
+                </a:solidFill>
+                <a:latin typeface="Open Sans" panose="020B0606030504020204" pitchFamily="34" charset="0"/>
+                <a:ea typeface="Open Sans" panose="020B0606030504020204" pitchFamily="34" charset="0"/>
+                <a:cs typeface="Open Sans" panose="020B0606030504020204" pitchFamily="34" charset="0"/>
+              </a:defRPr>
+            </a:lvl4pPr>
+            <a:lvl5pPr marL="2057400" indent="-228600" algn="l" defTabSz="914400" rtl="0" eaLnBrk="1" latinLnBrk="0" hangingPunct="1">
+              <a:lnSpc>
+                <a:spcPct val="90000"/>
+              </a:lnSpc>
+              <a:spcBef>
+                <a:spcPts val="500"/>
+              </a:spcBef>
+              <a:buFontTx/>
+              <a:buBlip>
+                <a:blip r:embed="rId2"/>
+              </a:buBlip>
+              <a:defRPr sz="1800" b="0" i="0" kern="1200">
+                <a:solidFill>
+                  <a:schemeClr val="tx1"/>
+                </a:solidFill>
+                <a:latin typeface="Open Sans" panose="020B0606030504020204" pitchFamily="34" charset="0"/>
+                <a:ea typeface="Open Sans" panose="020B0606030504020204" pitchFamily="34" charset="0"/>
+                <a:cs typeface="Open Sans" panose="020B0606030504020204" pitchFamily="34" charset="0"/>
+              </a:defRPr>
+            </a:lvl5pPr>
+            <a:lvl6pPr marL="2514600" indent="-228600" algn="l" defTabSz="914400" rtl="0" eaLnBrk="1" latinLnBrk="0" hangingPunct="1">
+              <a:lnSpc>
+                <a:spcPct val="90000"/>
+              </a:lnSpc>
+              <a:spcBef>
+                <a:spcPts val="500"/>
+              </a:spcBef>
+              <a:buFont typeface="Arial" panose="020B0604020202020204" pitchFamily="34" charset="0"/>
+              <a:buChar char="•"/>
+              <a:defRPr sz="1800" kern="1200">
+                <a:solidFill>
+                  <a:schemeClr val="tx1"/>
+                </a:solidFill>
+                <a:latin typeface="+mn-lt"/>
+                <a:ea typeface="+mn-ea"/>
+                <a:cs typeface="+mn-cs"/>
+              </a:defRPr>
+            </a:lvl6pPr>
+            <a:lvl7pPr marL="2971800" indent="-228600" algn="l" defTabSz="914400" rtl="0" eaLnBrk="1" latinLnBrk="0" hangingPunct="1">
+              <a:lnSpc>
+                <a:spcPct val="90000"/>
+              </a:lnSpc>
+              <a:spcBef>
+                <a:spcPts val="500"/>
+              </a:spcBef>
+              <a:buFont typeface="Arial" panose="020B0604020202020204" pitchFamily="34" charset="0"/>
+              <a:buChar char="•"/>
+              <a:defRPr sz="1800" kern="1200">
+                <a:solidFill>
+                  <a:schemeClr val="tx1"/>
+                </a:solidFill>
+                <a:latin typeface="+mn-lt"/>
+                <a:ea typeface="+mn-ea"/>
+                <a:cs typeface="+mn-cs"/>
+              </a:defRPr>
+            </a:lvl7pPr>
+            <a:lvl8pPr marL="3429000" indent="-228600" algn="l" defTabSz="914400" rtl="0" eaLnBrk="1" latinLnBrk="0" hangingPunct="1">
+              <a:lnSpc>
+                <a:spcPct val="90000"/>
+              </a:lnSpc>
+              <a:spcBef>
+                <a:spcPts val="500"/>
+              </a:spcBef>
+              <a:buFont typeface="Arial" panose="020B0604020202020204" pitchFamily="34" charset="0"/>
+              <a:buChar char="•"/>
+              <a:defRPr sz="1800" kern="1200">
+                <a:solidFill>
+                  <a:schemeClr val="tx1"/>
+                </a:solidFill>
+                <a:latin typeface="+mn-lt"/>
+                <a:ea typeface="+mn-ea"/>
+                <a:cs typeface="+mn-cs"/>
+              </a:defRPr>
+            </a:lvl8pPr>
+            <a:lvl9pPr marL="3886200" indent="-228600" algn="l" defTabSz="914400" rtl="0" eaLnBrk="1" latinLnBrk="0" hangingPunct="1">
+              <a:lnSpc>
+                <a:spcPct val="90000"/>
+              </a:lnSpc>
+              <a:spcBef>
+                <a:spcPts val="500"/>
+              </a:spcBef>
+              <a:buFont typeface="Arial" panose="020B0604020202020204" pitchFamily="34" charset="0"/>
+              <a:buChar char="•"/>
+              <a:defRPr sz="1800" kern="1200">
+                <a:solidFill>
+                  <a:schemeClr val="tx1"/>
+                </a:solidFill>
+                <a:latin typeface="+mn-lt"/>
+                <a:ea typeface="+mn-ea"/>
+                <a:cs typeface="+mn-cs"/>
+              </a:defRPr>
+            </a:lvl9pPr>
+          </a:lstStyle>
+          <a:p>
+            <a:pPr marL="0" indent="0">
+              <a:buNone/>
+            </a:pPr>
+            <a:r>
+              <a:rPr lang="en-GB" sz="3200" b="1" dirty="0"/>
+              <a:t>Discussion and Conclusion</a:t>
             </a:r>
           </a:p>
         </p:txBody>

--- a/TeamProjectPPT_updated.pptx
+++ b/TeamProjectPPT_updated.pptx
@@ -3003,7 +3003,7 @@
         </p:spPr>
         <p:txBody>
           <a:bodyPr>
-            <a:normAutofit/>
+            <a:normAutofit fontScale="90000"/>
           </a:bodyPr>
           <a:lstStyle/>
           <a:p>
@@ -3631,39 +3631,207 @@
           <a:chExt cx="0" cy="0"/>
         </a:xfrm>
       </p:grpSpPr>
-      <p:pic>
-        <p:nvPicPr>
-          <p:cNvPr id="5" name="Picture 4"/>
-          <p:cNvPicPr>
-            <a:picLocks noChangeAspect="1"/>
-          </p:cNvPicPr>
+      <p:sp>
+        <p:nvSpPr>
+          <p:cNvPr id="9" name="TextBox 8"/>
+          <p:cNvSpPr txBox="1"/>
           <p:nvPr/>
-        </p:nvPicPr>
-        <p:blipFill>
-          <a:blip r:embed="rId2">
-            <a:extLst>
-              <a:ext uri="{28A0092B-C50C-407E-A947-70E740481C1C}">
-                <a14:useLocalDpi xmlns:a14="http://schemas.microsoft.com/office/drawing/2010/main" val="0"/>
-              </a:ext>
-            </a:extLst>
-          </a:blip>
-          <a:stretch>
-            <a:fillRect/>
-          </a:stretch>
-        </p:blipFill>
-        <p:spPr>
-          <a:xfrm>
-            <a:off x="296058" y="863219"/>
-            <a:ext cx="6426654" cy="2906468"/>
+        </p:nvSpPr>
+        <p:spPr>
+          <a:xfrm>
+            <a:off x="7300421" y="802803"/>
+            <a:ext cx="4624251" cy="3139321"/>
           </a:xfrm>
           <a:prstGeom prst="rect">
             <a:avLst/>
           </a:prstGeom>
-        </p:spPr>
-      </p:pic>
+          <a:noFill/>
+        </p:spPr>
+        <p:txBody>
+          <a:bodyPr wrap="square" rtlCol="0">
+            <a:spAutoFit/>
+          </a:bodyPr>
+          <a:lstStyle/>
+          <a:p>
+            <a:r>
+              <a:rPr lang="en-US" b="1" dirty="0"/>
+              <a:t>Popularity by Type During the Pandemic-Q2/2020 vs. Q2/2021</a:t>
+            </a:r>
+          </a:p>
+          <a:p>
+            <a:pPr marL="285750" indent="-285750">
+              <a:buFont typeface="Arial" panose="020B0604020202020204" pitchFamily="34" charset="0"/>
+              <a:buChar char="•"/>
+            </a:pPr>
+            <a:r>
+              <a:rPr lang="en-US" dirty="0"/>
+              <a:t>Compared the results between the two quarters</a:t>
+            </a:r>
+          </a:p>
+          <a:p>
+            <a:pPr marL="285750" indent="-285750">
+              <a:buFont typeface="Arial" panose="020B0604020202020204" pitchFamily="34" charset="0"/>
+              <a:buChar char="•"/>
+            </a:pPr>
+            <a:r>
+              <a:rPr lang="en-US" dirty="0"/>
+              <a:t>Netflix Exclusive TV shows and Non-Exclusive Movies-both dropped in popularity.</a:t>
+            </a:r>
+          </a:p>
+          <a:p>
+            <a:pPr marL="285750" indent="-285750">
+              <a:buFont typeface="Arial" panose="020B0604020202020204" pitchFamily="34" charset="0"/>
+              <a:buChar char="•"/>
+            </a:pPr>
+            <a:r>
+              <a:rPr lang="en-US" dirty="0"/>
+              <a:t>We could see that Netflix Exclusive movies increased over the same time period along with Non-Exclusive TV shows.</a:t>
+            </a:r>
+          </a:p>
+        </p:txBody>
+      </p:sp>
+      <p:sp>
+        <p:nvSpPr>
+          <p:cNvPr id="11" name="TextBox 10"/>
+          <p:cNvSpPr txBox="1"/>
+          <p:nvPr/>
+        </p:nvSpPr>
+        <p:spPr>
+          <a:xfrm>
+            <a:off x="207812" y="155333"/>
+            <a:ext cx="6426654" cy="707886"/>
+          </a:xfrm>
+          <a:prstGeom prst="rect">
+            <a:avLst/>
+          </a:prstGeom>
+          <a:noFill/>
+        </p:spPr>
+        <p:txBody>
+          <a:bodyPr wrap="square" rtlCol="0">
+            <a:spAutoFit/>
+          </a:bodyPr>
+          <a:lstStyle/>
+          <a:p>
+            <a:r>
+              <a:rPr lang="en-US" sz="2000" b="1" dirty="0"/>
+              <a:t>What was the popular type of entertainment on Netflix during the pandemic?</a:t>
+            </a:r>
+          </a:p>
+        </p:txBody>
+      </p:sp>
+      <p:sp>
+        <p:nvSpPr>
+          <p:cNvPr id="4" name="Rectangle 1"/>
+          <p:cNvSpPr>
+            <a:spLocks noChangeArrowheads="1"/>
+          </p:cNvSpPr>
+          <p:nvPr/>
+        </p:nvSpPr>
+        <p:spPr bwMode="auto">
+          <a:xfrm>
+            <a:off x="193555" y="6719513"/>
+            <a:ext cx="12192000" cy="0"/>
+          </a:xfrm>
+          <a:prstGeom prst="rect">
+            <a:avLst/>
+          </a:prstGeom>
+          <a:solidFill>
+            <a:srgbClr val="FFFFFF"/>
+          </a:solidFill>
+          <a:ln>
+            <a:noFill/>
+          </a:ln>
+          <a:effectLst/>
+          <a:extLst>
+            <a:ext uri="{91240B29-F687-4F45-9708-019B960494DF}">
+              <a14:hiddenLine xmlns:a14="http://schemas.microsoft.com/office/drawing/2010/main" w="9525">
+                <a:solidFill>
+                  <a:schemeClr val="tx1"/>
+                </a:solidFill>
+                <a:miter lim="800000"/>
+                <a:headEnd/>
+                <a:tailEnd/>
+              </a14:hiddenLine>
+            </a:ext>
+            <a:ext uri="{AF507438-7753-43E0-B8FC-AC1667EBCBE1}">
+              <a14:hiddenEffects xmlns:a14="http://schemas.microsoft.com/office/drawing/2010/main">
+                <a:effectLst>
+                  <a:outerShdw dist="35921" dir="2700000" algn="ctr" rotWithShape="0">
+                    <a:schemeClr val="bg2"/>
+                  </a:outerShdw>
+                </a:effectLst>
+              </a14:hiddenEffects>
+            </a:ext>
+          </a:extLst>
+        </p:spPr>
+        <p:txBody>
+          <a:bodyPr vert="horz" wrap="square" lIns="91440" tIns="45720" rIns="91440" bIns="45720" numCol="1" anchor="ctr" anchorCtr="0" compatLnSpc="1">
+            <a:prstTxWarp prst="textNoShape">
+              <a:avLst/>
+            </a:prstTxWarp>
+            <a:spAutoFit/>
+          </a:bodyPr>
+          <a:lstStyle/>
+          <a:p>
+            <a:pPr marL="0" marR="0" lvl="0" indent="0" algn="l" defTabSz="914400" rtl="0" eaLnBrk="0" fontAlgn="base" latinLnBrk="0" hangingPunct="0">
+              <a:lnSpc>
+                <a:spcPct val="100000"/>
+              </a:lnSpc>
+              <a:spcBef>
+                <a:spcPct val="0"/>
+              </a:spcBef>
+              <a:spcAft>
+                <a:spcPct val="0"/>
+              </a:spcAft>
+              <a:buClrTx/>
+              <a:buSzTx/>
+              <a:buFontTx/>
+              <a:buNone/>
+              <a:tabLst/>
+            </a:pPr>
+            <a:r>
+              <a:rPr kumimoji="0" lang="en-US" altLang="en-US" sz="1800" b="0" i="0" u="none" strike="noStrike" cap="none" normalizeH="0" baseline="0">
+                <a:ln>
+                  <a:noFill/>
+                </a:ln>
+                <a:solidFill>
+                  <a:srgbClr val="1155CC"/>
+                </a:solidFill>
+                <a:effectLst/>
+                <a:latin typeface="Arial" panose="020B0604020202020204" pitchFamily="34" charset="0"/>
+                <a:cs typeface="Arial" panose="020B0604020202020204" pitchFamily="34" charset="0"/>
+                <a:hlinkClick r:id="rId2"/>
+              </a:rPr>
+              <a:t>https://www.kaggle.com/datasets/prasertk/netflix-daily-top-10-in-us</a:t>
+            </a:r>
+            <a:r>
+              <a:rPr kumimoji="0" lang="en-US" altLang="en-US" sz="1800" b="0" i="0" u="none" strike="noStrike" cap="none" normalizeH="0" baseline="0">
+                <a:ln>
+                  <a:noFill/>
+                </a:ln>
+                <a:solidFill>
+                  <a:schemeClr val="tx1"/>
+                </a:solidFill>
+                <a:effectLst/>
+              </a:rPr>
+              <a:t> </a:t>
+            </a:r>
+            <a:endParaRPr kumimoji="0" lang="en-US" altLang="en-US" sz="1800" b="0" i="0" u="none" strike="noStrike" cap="none" normalizeH="0" baseline="0">
+              <a:ln>
+                <a:noFill/>
+              </a:ln>
+              <a:solidFill>
+                <a:schemeClr val="tx1"/>
+              </a:solidFill>
+              <a:effectLst/>
+              <a:latin typeface="Arial" panose="020B0604020202020204" pitchFamily="34" charset="0"/>
+            </a:endParaRPr>
+          </a:p>
+        </p:txBody>
+      </p:sp>
       <p:pic>
         <p:nvPicPr>
-          <p:cNvPr id="6" name="Picture 5"/>
+          <p:cNvPr id="2" name="Picture 1"/>
           <p:cNvPicPr>
             <a:picLocks noChangeAspect="1"/>
           </p:cNvPicPr>
@@ -3683,212 +3851,44 @@
         </p:blipFill>
         <p:spPr>
           <a:xfrm>
-            <a:off x="296058" y="3769687"/>
-            <a:ext cx="6338408" cy="2795691"/>
+            <a:off x="296058" y="916502"/>
+            <a:ext cx="6356770" cy="2874863"/>
           </a:xfrm>
           <a:prstGeom prst="rect">
             <a:avLst/>
           </a:prstGeom>
         </p:spPr>
       </p:pic>
-      <p:sp>
-        <p:nvSpPr>
-          <p:cNvPr id="9" name="TextBox 8"/>
-          <p:cNvSpPr txBox="1"/>
+      <p:pic>
+        <p:nvPicPr>
+          <p:cNvPr id="3" name="Picture 2"/>
+          <p:cNvPicPr>
+            <a:picLocks noChangeAspect="1"/>
+          </p:cNvPicPr>
           <p:nvPr/>
-        </p:nvSpPr>
-        <p:spPr>
-          <a:xfrm>
-            <a:off x="7300421" y="802803"/>
-            <a:ext cx="4624251" cy="3139321"/>
+        </p:nvPicPr>
+        <p:blipFill>
+          <a:blip r:embed="rId4">
+            <a:extLst>
+              <a:ext uri="{28A0092B-C50C-407E-A947-70E740481C1C}">
+                <a14:useLocalDpi xmlns:a14="http://schemas.microsoft.com/office/drawing/2010/main" val="0"/>
+              </a:ext>
+            </a:extLst>
+          </a:blip>
+          <a:stretch>
+            <a:fillRect/>
+          </a:stretch>
+        </p:blipFill>
+        <p:spPr>
+          <a:xfrm>
+            <a:off x="487828" y="3791365"/>
+            <a:ext cx="6317921" cy="2786654"/>
           </a:xfrm>
           <a:prstGeom prst="rect">
             <a:avLst/>
           </a:prstGeom>
-          <a:noFill/>
-        </p:spPr>
-        <p:txBody>
-          <a:bodyPr wrap="square" rtlCol="0">
-            <a:spAutoFit/>
-          </a:bodyPr>
-          <a:lstStyle/>
-          <a:p>
-            <a:r>
-              <a:rPr lang="en-US" b="1" dirty="0"/>
-              <a:t>Popularity by Type During the Pandemic-Q2/2020 vs. Q2/2021</a:t>
-            </a:r>
-          </a:p>
-          <a:p>
-            <a:pPr marL="285750" indent="-285750">
-              <a:buFont typeface="Arial" panose="020B0604020202020204" pitchFamily="34" charset="0"/>
-              <a:buChar char="•"/>
-            </a:pPr>
-            <a:r>
-              <a:rPr lang="en-US" dirty="0"/>
-              <a:t>Compared the results between the two quarters</a:t>
-            </a:r>
-          </a:p>
-          <a:p>
-            <a:pPr marL="285750" indent="-285750">
-              <a:buFont typeface="Arial" panose="020B0604020202020204" pitchFamily="34" charset="0"/>
-              <a:buChar char="•"/>
-            </a:pPr>
-            <a:r>
-              <a:rPr lang="en-US" dirty="0"/>
-              <a:t>Netflix Exclusive TV shows and Non-Exclusive Movies-both dropped in popularity.</a:t>
-            </a:r>
-          </a:p>
-          <a:p>
-            <a:pPr marL="285750" indent="-285750">
-              <a:buFont typeface="Arial" panose="020B0604020202020204" pitchFamily="34" charset="0"/>
-              <a:buChar char="•"/>
-            </a:pPr>
-            <a:r>
-              <a:rPr lang="en-US" dirty="0"/>
-              <a:t>We could see that Netflix Exclusive movies increased over the same time period along with Non-Exclusive TV shows.</a:t>
-            </a:r>
-          </a:p>
-        </p:txBody>
-      </p:sp>
-      <p:sp>
-        <p:nvSpPr>
-          <p:cNvPr id="11" name="TextBox 10"/>
-          <p:cNvSpPr txBox="1"/>
-          <p:nvPr/>
-        </p:nvSpPr>
-        <p:spPr>
-          <a:xfrm>
-            <a:off x="207812" y="155333"/>
-            <a:ext cx="6426654" cy="707886"/>
-          </a:xfrm>
-          <a:prstGeom prst="rect">
-            <a:avLst/>
-          </a:prstGeom>
-          <a:noFill/>
-        </p:spPr>
-        <p:txBody>
-          <a:bodyPr wrap="square" rtlCol="0">
-            <a:spAutoFit/>
-          </a:bodyPr>
-          <a:lstStyle/>
-          <a:p>
-            <a:r>
-              <a:rPr lang="en-US" sz="2000" b="1" dirty="0"/>
-              <a:t>What was the popular type of entertainment on Netflix during the pandemic?</a:t>
-            </a:r>
-          </a:p>
-        </p:txBody>
-      </p:sp>
-      <p:sp>
-        <p:nvSpPr>
-          <p:cNvPr id="4" name="Rectangle 1"/>
-          <p:cNvSpPr>
-            <a:spLocks noChangeArrowheads="1"/>
-          </p:cNvSpPr>
-          <p:nvPr/>
-        </p:nvSpPr>
-        <p:spPr bwMode="auto">
-          <a:xfrm>
-            <a:off x="193555" y="6719513"/>
-            <a:ext cx="12192000" cy="0"/>
-          </a:xfrm>
-          <a:prstGeom prst="rect">
-            <a:avLst/>
-          </a:prstGeom>
-          <a:solidFill>
-            <a:srgbClr val="FFFFFF"/>
-          </a:solidFill>
-          <a:ln>
-            <a:noFill/>
-          </a:ln>
-          <a:effectLst/>
-          <a:extLst>
-            <a:ext uri="{91240B29-F687-4F45-9708-019B960494DF}">
-              <a14:hiddenLine xmlns:a14="http://schemas.microsoft.com/office/drawing/2010/main" w="9525">
-                <a:solidFill>
-                  <a:schemeClr val="tx1"/>
-                </a:solidFill>
-                <a:miter lim="800000"/>
-                <a:headEnd/>
-                <a:tailEnd/>
-              </a14:hiddenLine>
-            </a:ext>
-            <a:ext uri="{AF507438-7753-43E0-B8FC-AC1667EBCBE1}">
-              <a14:hiddenEffects xmlns:a14="http://schemas.microsoft.com/office/drawing/2010/main">
-                <a:effectLst>
-                  <a:outerShdw dist="35921" dir="2700000" algn="ctr" rotWithShape="0">
-                    <a:schemeClr val="bg2"/>
-                  </a:outerShdw>
-                </a:effectLst>
-              </a14:hiddenEffects>
-            </a:ext>
-          </a:extLst>
-        </p:spPr>
-        <p:txBody>
-          <a:bodyPr vert="horz" wrap="square" lIns="91440" tIns="45720" rIns="91440" bIns="45720" numCol="1" anchor="ctr" anchorCtr="0" compatLnSpc="1">
-            <a:prstTxWarp prst="textNoShape">
-              <a:avLst/>
-            </a:prstTxWarp>
-            <a:spAutoFit/>
-          </a:bodyPr>
-          <a:lstStyle/>
-          <a:p>
-            <a:pPr marL="0" marR="0" lvl="0" indent="0" algn="l" defTabSz="914400" rtl="0" eaLnBrk="0" fontAlgn="base" latinLnBrk="0" hangingPunct="0">
-              <a:lnSpc>
-                <a:spcPct val="100000"/>
-              </a:lnSpc>
-              <a:spcBef>
-                <a:spcPct val="0"/>
-              </a:spcBef>
-              <a:spcAft>
-                <a:spcPct val="0"/>
-              </a:spcAft>
-              <a:buClrTx/>
-              <a:buSzTx/>
-              <a:buFontTx/>
-              <a:buNone/>
-              <a:tabLst/>
-            </a:pPr>
-            <a:r>
-              <a:rPr kumimoji="0" lang="en-US" altLang="en-US" sz="1800" b="0" i="0" u="none" strike="noStrike" cap="none" normalizeH="0" baseline="0">
-                <a:ln>
-                  <a:noFill/>
-                </a:ln>
-                <a:solidFill>
-                  <a:srgbClr val="1155CC"/>
-                </a:solidFill>
-                <a:effectLst/>
-                <a:latin typeface="Arial" panose="020B0604020202020204" pitchFamily="34" charset="0"/>
-                <a:cs typeface="Arial" panose="020B0604020202020204" pitchFamily="34" charset="0"/>
-                <a:hlinkClick r:id="rId4"/>
-              </a:rPr>
-              <a:t>https://www.kaggle.com/datasets/prasertk/netflix-daily-top-10-in-us</a:t>
-            </a:r>
-            <a:r>
-              <a:rPr kumimoji="0" lang="en-US" altLang="en-US" sz="1800" b="0" i="0" u="none" strike="noStrike" cap="none" normalizeH="0" baseline="0">
-                <a:ln>
-                  <a:noFill/>
-                </a:ln>
-                <a:solidFill>
-                  <a:schemeClr val="tx1"/>
-                </a:solidFill>
-                <a:effectLst/>
-              </a:rPr>
-              <a:t> </a:t>
-            </a:r>
-            <a:endParaRPr kumimoji="0" lang="en-US" altLang="en-US" sz="1800" b="0" i="0" u="none" strike="noStrike" cap="none" normalizeH="0" baseline="0">
-              <a:ln>
-                <a:noFill/>
-              </a:ln>
-              <a:solidFill>
-                <a:schemeClr val="tx1"/>
-              </a:solidFill>
-              <a:effectLst/>
-              <a:latin typeface="Arial" panose="020B0604020202020204" pitchFamily="34" charset="0"/>
-            </a:endParaRPr>
-          </a:p>
-        </p:txBody>
-      </p:sp>
+        </p:spPr>
+      </p:pic>
     </p:spTree>
     <p:extLst>
       <p:ext uri="{BB962C8B-B14F-4D97-AF65-F5344CB8AC3E}">
@@ -3919,39 +3919,234 @@
           <a:chExt cx="0" cy="0"/>
         </a:xfrm>
       </p:grpSpPr>
-      <p:pic>
-        <p:nvPicPr>
-          <p:cNvPr id="5" name="Picture 4"/>
-          <p:cNvPicPr>
-            <a:picLocks noChangeAspect="1"/>
-          </p:cNvPicPr>
+      <p:sp>
+        <p:nvSpPr>
+          <p:cNvPr id="9" name="TextBox 8"/>
+          <p:cNvSpPr txBox="1"/>
           <p:nvPr/>
-        </p:nvPicPr>
-        <p:blipFill>
-          <a:blip r:embed="rId2">
-            <a:extLst>
-              <a:ext uri="{28A0092B-C50C-407E-A947-70E740481C1C}">
-                <a14:useLocalDpi xmlns:a14="http://schemas.microsoft.com/office/drawing/2010/main" val="0"/>
-              </a:ext>
-            </a:extLst>
-          </a:blip>
-          <a:stretch>
-            <a:fillRect/>
-          </a:stretch>
-        </p:blipFill>
-        <p:spPr>
-          <a:xfrm>
-            <a:off x="62601" y="863219"/>
-            <a:ext cx="6767655" cy="3030583"/>
+        </p:nvSpPr>
+        <p:spPr>
+          <a:xfrm>
+            <a:off x="7026047" y="509276"/>
+            <a:ext cx="4624251" cy="4524315"/>
           </a:xfrm>
           <a:prstGeom prst="rect">
             <a:avLst/>
           </a:prstGeom>
-        </p:spPr>
-      </p:pic>
+          <a:noFill/>
+        </p:spPr>
+        <p:txBody>
+          <a:bodyPr wrap="square" rtlCol="0">
+            <a:spAutoFit/>
+          </a:bodyPr>
+          <a:lstStyle/>
+          <a:p>
+            <a:r>
+              <a:rPr lang="en-US" b="1" dirty="0"/>
+              <a:t>Popularity by Type During the Pandemic-Q4/2020 vs. Q4/2021</a:t>
+            </a:r>
+            <a:endParaRPr lang="en-US" dirty="0"/>
+          </a:p>
+          <a:p>
+            <a:pPr marL="285750" indent="-285750">
+              <a:buFont typeface="Arial" panose="020B0604020202020204" pitchFamily="34" charset="0"/>
+              <a:buChar char="•"/>
+            </a:pPr>
+            <a:r>
+              <a:rPr lang="en-US" dirty="0"/>
+              <a:t>Compared the results between the two quarters.</a:t>
+            </a:r>
+          </a:p>
+          <a:p>
+            <a:pPr marL="285750" indent="-285750">
+              <a:buFont typeface="Arial" panose="020B0604020202020204" pitchFamily="34" charset="0"/>
+              <a:buChar char="•"/>
+            </a:pPr>
+            <a:r>
+              <a:rPr lang="en-US" dirty="0"/>
+              <a:t>Netflix Exclusive TV shows increased a lot bringing it back to the around the same level as the 2</a:t>
+            </a:r>
+            <a:r>
+              <a:rPr lang="en-US" baseline="30000" dirty="0"/>
+              <a:t>nd</a:t>
+            </a:r>
+            <a:r>
+              <a:rPr lang="en-US" dirty="0"/>
+              <a:t> quarter of 2020. </a:t>
+            </a:r>
+          </a:p>
+          <a:p>
+            <a:pPr marL="285750" indent="-285750">
+              <a:buFont typeface="Arial" panose="020B0604020202020204" pitchFamily="34" charset="0"/>
+              <a:buChar char="•"/>
+            </a:pPr>
+            <a:r>
+              <a:rPr lang="en-US" dirty="0"/>
+              <a:t>We could see that Netflix Exclusive movies increased slightly over the same time period but the non-exclusive movies and TV shows remained around the same or decreased.</a:t>
+            </a:r>
+          </a:p>
+          <a:p>
+            <a:pPr marL="285750" indent="-285750">
+              <a:buFont typeface="Arial" panose="020B0604020202020204" pitchFamily="34" charset="0"/>
+              <a:buChar char="•"/>
+            </a:pPr>
+            <a:r>
+              <a:rPr lang="en-US" dirty="0"/>
+              <a:t>Throughout </a:t>
+            </a:r>
+            <a:r>
+              <a:rPr lang="en-US"/>
+              <a:t>the data, </a:t>
+            </a:r>
+            <a:r>
+              <a:rPr lang="en-US" dirty="0"/>
+              <a:t>we could see a small number of comedy specials in the daily Top 10 that resulted no more than 1-2% per quarter.</a:t>
+            </a:r>
+          </a:p>
+        </p:txBody>
+      </p:sp>
+      <p:sp>
+        <p:nvSpPr>
+          <p:cNvPr id="10" name="TextBox 9"/>
+          <p:cNvSpPr txBox="1"/>
+          <p:nvPr/>
+        </p:nvSpPr>
+        <p:spPr>
+          <a:xfrm>
+            <a:off x="207812" y="155333"/>
+            <a:ext cx="6426654" cy="707886"/>
+          </a:xfrm>
+          <a:prstGeom prst="rect">
+            <a:avLst/>
+          </a:prstGeom>
+          <a:noFill/>
+        </p:spPr>
+        <p:txBody>
+          <a:bodyPr wrap="square" rtlCol="0">
+            <a:spAutoFit/>
+          </a:bodyPr>
+          <a:lstStyle/>
+          <a:p>
+            <a:r>
+              <a:rPr lang="en-US" sz="2000" b="1" dirty="0"/>
+              <a:t>What was the popular type of entertainment on Netflix during the pandemic?</a:t>
+            </a:r>
+          </a:p>
+        </p:txBody>
+      </p:sp>
+      <p:sp>
+        <p:nvSpPr>
+          <p:cNvPr id="6" name="Rectangle 1"/>
+          <p:cNvSpPr>
+            <a:spLocks noChangeArrowheads="1"/>
+          </p:cNvSpPr>
+          <p:nvPr/>
+        </p:nvSpPr>
+        <p:spPr bwMode="auto">
+          <a:xfrm>
+            <a:off x="62601" y="6750102"/>
+            <a:ext cx="12192000" cy="0"/>
+          </a:xfrm>
+          <a:prstGeom prst="rect">
+            <a:avLst/>
+          </a:prstGeom>
+          <a:solidFill>
+            <a:srgbClr val="FFFFFF"/>
+          </a:solidFill>
+          <a:ln>
+            <a:noFill/>
+          </a:ln>
+          <a:effectLst/>
+          <a:extLst>
+            <a:ext uri="{91240B29-F687-4F45-9708-019B960494DF}">
+              <a14:hiddenLine xmlns:a14="http://schemas.microsoft.com/office/drawing/2010/main" w="9525">
+                <a:solidFill>
+                  <a:schemeClr val="tx1"/>
+                </a:solidFill>
+                <a:miter lim="800000"/>
+                <a:headEnd/>
+                <a:tailEnd/>
+              </a14:hiddenLine>
+            </a:ext>
+            <a:ext uri="{AF507438-7753-43E0-B8FC-AC1667EBCBE1}">
+              <a14:hiddenEffects xmlns:a14="http://schemas.microsoft.com/office/drawing/2010/main">
+                <a:effectLst>
+                  <a:outerShdw dist="35921" dir="2700000" algn="ctr" rotWithShape="0">
+                    <a:schemeClr val="bg2"/>
+                  </a:outerShdw>
+                </a:effectLst>
+              </a14:hiddenEffects>
+            </a:ext>
+          </a:extLst>
+        </p:spPr>
+        <p:txBody>
+          <a:bodyPr vert="horz" wrap="square" lIns="91440" tIns="45720" rIns="91440" bIns="45720" numCol="1" anchor="ctr" anchorCtr="0" compatLnSpc="1">
+            <a:prstTxWarp prst="textNoShape">
+              <a:avLst/>
+            </a:prstTxWarp>
+            <a:spAutoFit/>
+          </a:bodyPr>
+          <a:lstStyle/>
+          <a:p>
+            <a:pPr marL="0" marR="0" lvl="0" indent="0" algn="l" defTabSz="914400" rtl="0" eaLnBrk="0" fontAlgn="base" latinLnBrk="0" hangingPunct="0">
+              <a:lnSpc>
+                <a:spcPct val="100000"/>
+              </a:lnSpc>
+              <a:spcBef>
+                <a:spcPct val="0"/>
+              </a:spcBef>
+              <a:spcAft>
+                <a:spcPct val="0"/>
+              </a:spcAft>
+              <a:buClrTx/>
+              <a:buSzTx/>
+              <a:buFontTx/>
+              <a:buNone/>
+              <a:tabLst/>
+            </a:pPr>
+            <a:r>
+              <a:rPr kumimoji="0" lang="en-US" altLang="en-US" sz="1800" b="0" i="0" u="none" strike="noStrike" cap="none" normalizeH="0" baseline="0" dirty="0">
+                <a:ln>
+                  <a:noFill/>
+                </a:ln>
+                <a:solidFill>
+                  <a:srgbClr val="1155CC"/>
+                </a:solidFill>
+                <a:effectLst/>
+                <a:latin typeface="Arial" panose="020B0604020202020204" pitchFamily="34" charset="0"/>
+                <a:cs typeface="Arial" panose="020B0604020202020204" pitchFamily="34" charset="0"/>
+                <a:hlinkClick r:id="rId2"/>
+              </a:rPr>
+              <a:t>https://www.kaggle.com/datasets/prasertk/netflix-daily-top-10-in-us</a:t>
+            </a:r>
+            <a:r>
+              <a:rPr kumimoji="0" lang="en-US" altLang="en-US" sz="1800" b="0" i="0" u="none" strike="noStrike" cap="none" normalizeH="0" baseline="0" dirty="0">
+                <a:ln>
+                  <a:noFill/>
+                </a:ln>
+                <a:solidFill>
+                  <a:schemeClr val="tx1"/>
+                </a:solidFill>
+                <a:effectLst/>
+              </a:rPr>
+              <a:t> </a:t>
+            </a:r>
+            <a:endParaRPr kumimoji="0" lang="en-US" altLang="en-US" sz="1800" b="0" i="0" u="none" strike="noStrike" cap="none" normalizeH="0" baseline="0" dirty="0">
+              <a:ln>
+                <a:noFill/>
+              </a:ln>
+              <a:solidFill>
+                <a:schemeClr val="tx1"/>
+              </a:solidFill>
+              <a:effectLst/>
+              <a:latin typeface="Arial" panose="020B0604020202020204" pitchFamily="34" charset="0"/>
+            </a:endParaRPr>
+          </a:p>
+        </p:txBody>
+      </p:sp>
       <p:pic>
         <p:nvPicPr>
-          <p:cNvPr id="8" name="Picture 7"/>
+          <p:cNvPr id="2" name="Picture 1"/>
           <p:cNvPicPr>
             <a:picLocks noChangeAspect="1"/>
           </p:cNvPicPr>
@@ -3971,239 +4166,44 @@
         </p:blipFill>
         <p:spPr>
           <a:xfrm>
-            <a:off x="207812" y="3863212"/>
-            <a:ext cx="6028637" cy="2756262"/>
+            <a:off x="143179" y="850915"/>
+            <a:ext cx="6555920" cy="2896802"/>
           </a:xfrm>
           <a:prstGeom prst="rect">
             <a:avLst/>
           </a:prstGeom>
         </p:spPr>
       </p:pic>
-      <p:sp>
-        <p:nvSpPr>
-          <p:cNvPr id="9" name="TextBox 8"/>
-          <p:cNvSpPr txBox="1"/>
+      <p:pic>
+        <p:nvPicPr>
+          <p:cNvPr id="3" name="Picture 2"/>
+          <p:cNvPicPr>
+            <a:picLocks noChangeAspect="1"/>
+          </p:cNvPicPr>
           <p:nvPr/>
-        </p:nvSpPr>
-        <p:spPr>
-          <a:xfrm>
-            <a:off x="7026047" y="509276"/>
-            <a:ext cx="4624251" cy="4524315"/>
+        </p:nvPicPr>
+        <p:blipFill>
+          <a:blip r:embed="rId4">
+            <a:extLst>
+              <a:ext uri="{28A0092B-C50C-407E-A947-70E740481C1C}">
+                <a14:useLocalDpi xmlns:a14="http://schemas.microsoft.com/office/drawing/2010/main" val="0"/>
+              </a:ext>
+            </a:extLst>
+          </a:blip>
+          <a:stretch>
+            <a:fillRect/>
+          </a:stretch>
+        </p:blipFill>
+        <p:spPr>
+          <a:xfrm>
+            <a:off x="207812" y="3822628"/>
+            <a:ext cx="6075422" cy="2777652"/>
           </a:xfrm>
           <a:prstGeom prst="rect">
             <a:avLst/>
           </a:prstGeom>
-          <a:noFill/>
-        </p:spPr>
-        <p:txBody>
-          <a:bodyPr wrap="square" rtlCol="0">
-            <a:spAutoFit/>
-          </a:bodyPr>
-          <a:lstStyle/>
-          <a:p>
-            <a:r>
-              <a:rPr lang="en-US" b="1" dirty="0"/>
-              <a:t>Popularity by Type During the Pandemic-Q4/2020 vs. Q4/2021</a:t>
-            </a:r>
-            <a:endParaRPr lang="en-US" dirty="0"/>
-          </a:p>
-          <a:p>
-            <a:pPr marL="285750" indent="-285750">
-              <a:buFont typeface="Arial" panose="020B0604020202020204" pitchFamily="34" charset="0"/>
-              <a:buChar char="•"/>
-            </a:pPr>
-            <a:r>
-              <a:rPr lang="en-US" dirty="0"/>
-              <a:t>Compared the results between the two quarters.</a:t>
-            </a:r>
-          </a:p>
-          <a:p>
-            <a:pPr marL="285750" indent="-285750">
-              <a:buFont typeface="Arial" panose="020B0604020202020204" pitchFamily="34" charset="0"/>
-              <a:buChar char="•"/>
-            </a:pPr>
-            <a:r>
-              <a:rPr lang="en-US" dirty="0"/>
-              <a:t>Netflix Exclusive TV shows increased a lot bringing it back to the around the same level as the 2</a:t>
-            </a:r>
-            <a:r>
-              <a:rPr lang="en-US" baseline="30000" dirty="0"/>
-              <a:t>nd</a:t>
-            </a:r>
-            <a:r>
-              <a:rPr lang="en-US" dirty="0"/>
-              <a:t> quarter of 2020. </a:t>
-            </a:r>
-          </a:p>
-          <a:p>
-            <a:pPr marL="285750" indent="-285750">
-              <a:buFont typeface="Arial" panose="020B0604020202020204" pitchFamily="34" charset="0"/>
-              <a:buChar char="•"/>
-            </a:pPr>
-            <a:r>
-              <a:rPr lang="en-US" dirty="0"/>
-              <a:t>We could see that Netflix Exclusive movies increased slightly over the same time period but the non-exclusive movies and TV shows remained around the same or decreased.</a:t>
-            </a:r>
-          </a:p>
-          <a:p>
-            <a:pPr marL="285750" indent="-285750">
-              <a:buFont typeface="Arial" panose="020B0604020202020204" pitchFamily="34" charset="0"/>
-              <a:buChar char="•"/>
-            </a:pPr>
-            <a:r>
-              <a:rPr lang="en-US" dirty="0"/>
-              <a:t>Throughout </a:t>
-            </a:r>
-            <a:r>
-              <a:rPr lang="en-US"/>
-              <a:t>the data, </a:t>
-            </a:r>
-            <a:r>
-              <a:rPr lang="en-US" dirty="0"/>
-              <a:t>we could see a small number of comedy specials in the daily Top 10 that resulted no more than 1-2% per quarter.</a:t>
-            </a:r>
-          </a:p>
-        </p:txBody>
-      </p:sp>
-      <p:sp>
-        <p:nvSpPr>
-          <p:cNvPr id="10" name="TextBox 9"/>
-          <p:cNvSpPr txBox="1"/>
-          <p:nvPr/>
-        </p:nvSpPr>
-        <p:spPr>
-          <a:xfrm>
-            <a:off x="207812" y="155333"/>
-            <a:ext cx="6426654" cy="707886"/>
-          </a:xfrm>
-          <a:prstGeom prst="rect">
-            <a:avLst/>
-          </a:prstGeom>
-          <a:noFill/>
-        </p:spPr>
-        <p:txBody>
-          <a:bodyPr wrap="square" rtlCol="0">
-            <a:spAutoFit/>
-          </a:bodyPr>
-          <a:lstStyle/>
-          <a:p>
-            <a:r>
-              <a:rPr lang="en-US" sz="2000" b="1" dirty="0"/>
-              <a:t>What was the popular type of entertainment on Netflix during the pandemic?</a:t>
-            </a:r>
-          </a:p>
-        </p:txBody>
-      </p:sp>
-      <p:sp>
-        <p:nvSpPr>
-          <p:cNvPr id="6" name="Rectangle 1"/>
-          <p:cNvSpPr>
-            <a:spLocks noChangeArrowheads="1"/>
-          </p:cNvSpPr>
-          <p:nvPr/>
-        </p:nvSpPr>
-        <p:spPr bwMode="auto">
-          <a:xfrm>
-            <a:off x="62601" y="6750102"/>
-            <a:ext cx="12192000" cy="0"/>
-          </a:xfrm>
-          <a:prstGeom prst="rect">
-            <a:avLst/>
-          </a:prstGeom>
-          <a:solidFill>
-            <a:srgbClr val="FFFFFF"/>
-          </a:solidFill>
-          <a:ln>
-            <a:noFill/>
-          </a:ln>
-          <a:effectLst/>
-          <a:extLst>
-            <a:ext uri="{91240B29-F687-4F45-9708-019B960494DF}">
-              <a14:hiddenLine xmlns:a14="http://schemas.microsoft.com/office/drawing/2010/main" w="9525">
-                <a:solidFill>
-                  <a:schemeClr val="tx1"/>
-                </a:solidFill>
-                <a:miter lim="800000"/>
-                <a:headEnd/>
-                <a:tailEnd/>
-              </a14:hiddenLine>
-            </a:ext>
-            <a:ext uri="{AF507438-7753-43E0-B8FC-AC1667EBCBE1}">
-              <a14:hiddenEffects xmlns:a14="http://schemas.microsoft.com/office/drawing/2010/main">
-                <a:effectLst>
-                  <a:outerShdw dist="35921" dir="2700000" algn="ctr" rotWithShape="0">
-                    <a:schemeClr val="bg2"/>
-                  </a:outerShdw>
-                </a:effectLst>
-              </a14:hiddenEffects>
-            </a:ext>
-          </a:extLst>
-        </p:spPr>
-        <p:txBody>
-          <a:bodyPr vert="horz" wrap="square" lIns="91440" tIns="45720" rIns="91440" bIns="45720" numCol="1" anchor="ctr" anchorCtr="0" compatLnSpc="1">
-            <a:prstTxWarp prst="textNoShape">
-              <a:avLst/>
-            </a:prstTxWarp>
-            <a:spAutoFit/>
-          </a:bodyPr>
-          <a:lstStyle/>
-          <a:p>
-            <a:pPr marL="0" marR="0" lvl="0" indent="0" algn="l" defTabSz="914400" rtl="0" eaLnBrk="0" fontAlgn="base" latinLnBrk="0" hangingPunct="0">
-              <a:lnSpc>
-                <a:spcPct val="100000"/>
-              </a:lnSpc>
-              <a:spcBef>
-                <a:spcPct val="0"/>
-              </a:spcBef>
-              <a:spcAft>
-                <a:spcPct val="0"/>
-              </a:spcAft>
-              <a:buClrTx/>
-              <a:buSzTx/>
-              <a:buFontTx/>
-              <a:buNone/>
-              <a:tabLst/>
-            </a:pPr>
-            <a:r>
-              <a:rPr kumimoji="0" lang="en-US" altLang="en-US" sz="1800" b="0" i="0" u="none" strike="noStrike" cap="none" normalizeH="0" baseline="0" dirty="0">
-                <a:ln>
-                  <a:noFill/>
-                </a:ln>
-                <a:solidFill>
-                  <a:srgbClr val="1155CC"/>
-                </a:solidFill>
-                <a:effectLst/>
-                <a:latin typeface="Arial" panose="020B0604020202020204" pitchFamily="34" charset="0"/>
-                <a:cs typeface="Arial" panose="020B0604020202020204" pitchFamily="34" charset="0"/>
-                <a:hlinkClick r:id="rId4"/>
-              </a:rPr>
-              <a:t>https://www.kaggle.com/datasets/prasertk/netflix-daily-top-10-in-us</a:t>
-            </a:r>
-            <a:r>
-              <a:rPr kumimoji="0" lang="en-US" altLang="en-US" sz="1800" b="0" i="0" u="none" strike="noStrike" cap="none" normalizeH="0" baseline="0" dirty="0">
-                <a:ln>
-                  <a:noFill/>
-                </a:ln>
-                <a:solidFill>
-                  <a:schemeClr val="tx1"/>
-                </a:solidFill>
-                <a:effectLst/>
-              </a:rPr>
-              <a:t> </a:t>
-            </a:r>
-            <a:endParaRPr kumimoji="0" lang="en-US" altLang="en-US" sz="1800" b="0" i="0" u="none" strike="noStrike" cap="none" normalizeH="0" baseline="0" dirty="0">
-              <a:ln>
-                <a:noFill/>
-              </a:ln>
-              <a:solidFill>
-                <a:schemeClr val="tx1"/>
-              </a:solidFill>
-              <a:effectLst/>
-              <a:latin typeface="Arial" panose="020B0604020202020204" pitchFamily="34" charset="0"/>
-            </a:endParaRPr>
-          </a:p>
-        </p:txBody>
-      </p:sp>
+        </p:spPr>
+      </p:pic>
     </p:spTree>
     <p:extLst>
       <p:ext uri="{BB962C8B-B14F-4D97-AF65-F5344CB8AC3E}">
@@ -4733,6 +4733,20 @@
               <a:buNone/>
               <a:tabLst/>
             </a:pPr>
+            <a:r>
+              <a:rPr kumimoji="0" lang="en-US" altLang="en-US" sz="1800" b="0" i="0" u="none" strike="noStrike" cap="none" normalizeH="0" baseline="0">
+                <a:ln>
+                  <a:noFill/>
+                </a:ln>
+                <a:solidFill>
+                  <a:srgbClr val="222222"/>
+                </a:solidFill>
+                <a:effectLst/>
+                <a:latin typeface="Arial" panose="020B0604020202020204" pitchFamily="34" charset="0"/>
+                <a:cs typeface="Arial" panose="020B0604020202020204" pitchFamily="34" charset="0"/>
+              </a:rPr>
+              <a:t/>
+            </a:r>
             <a:br>
               <a:rPr kumimoji="0" lang="en-US" altLang="en-US" sz="1800" b="0" i="0" u="none" strike="noStrike" cap="none" normalizeH="0" baseline="0">
                 <a:ln>

--- a/TeamProjectPPT_updated.pptx
+++ b/TeamProjectPPT_updated.pptx
@@ -24,6 +24,7 @@
     <p:sldId id="278" r:id="rId18"/>
     <p:sldId id="273" r:id="rId19"/>
     <p:sldId id="274" r:id="rId20"/>
+    <p:sldId id="282" r:id="rId21"/>
   </p:sldIdLst>
   <p:sldSz cx="12192000" cy="6858000"/>
   <p:notesSz cx="6858000" cy="9144000"/>
@@ -3003,7 +3004,7 @@
         </p:spPr>
         <p:txBody>
           <a:bodyPr>
-            <a:normAutofit fontScale="90000"/>
+            <a:normAutofit/>
           </a:bodyPr>
           <a:lstStyle/>
           <a:p>
@@ -3142,6 +3143,36 @@
           <a:chExt cx="0" cy="0"/>
         </a:xfrm>
       </p:grpSpPr>
+      <p:pic>
+        <p:nvPicPr>
+          <p:cNvPr id="3" name="Picture 2">
+            <a:extLst>
+              <a:ext uri="{FF2B5EF4-FFF2-40B4-BE49-F238E27FC236}">
+                <a16:creationId xmlns:a16="http://schemas.microsoft.com/office/drawing/2014/main" id="{0FBF09A6-820A-D105-14B4-F0B160231561}"/>
+              </a:ext>
+            </a:extLst>
+          </p:cNvPr>
+          <p:cNvPicPr>
+            <a:picLocks noChangeAspect="1"/>
+          </p:cNvPicPr>
+          <p:nvPr/>
+        </p:nvPicPr>
+        <p:blipFill>
+          <a:blip r:embed="rId2"/>
+          <a:stretch>
+            <a:fillRect/>
+          </a:stretch>
+        </p:blipFill>
+        <p:spPr>
+          <a:xfrm>
+            <a:off x="231823" y="1128386"/>
+            <a:ext cx="10998554" cy="3829982"/>
+          </a:xfrm>
+          <a:prstGeom prst="rect">
+            <a:avLst/>
+          </a:prstGeom>
+        </p:spPr>
+      </p:pic>
       <p:sp>
         <p:nvSpPr>
           <p:cNvPr id="4" name="TextBox 3">
@@ -3157,7 +3188,7 @@
         <p:spPr>
           <a:xfrm>
             <a:off x="371957" y="126965"/>
-            <a:ext cx="8214103" cy="707886"/>
+            <a:ext cx="10716753" cy="707886"/>
           </a:xfrm>
           <a:prstGeom prst="rect">
             <a:avLst/>
@@ -3170,13 +3201,14 @@
           </a:bodyPr>
           <a:lstStyle/>
           <a:p>
+            <a:pPr algn="ctr"/>
             <a:r>
               <a:rPr lang="en-US" sz="2000" b="1" dirty="0">
                 <a:latin typeface="Open Sans" panose="020B0606030504020204" pitchFamily="34" charset="0"/>
                 <a:ea typeface="Open Sans" panose="020B0606030504020204" pitchFamily="34" charset="0"/>
                 <a:cs typeface="Open Sans" panose="020B0606030504020204" pitchFamily="34" charset="0"/>
               </a:rPr>
-              <a:t>What are the top genres distributed by Netflix for tv shows in the last three years (2019, 2020, 2021)?</a:t>
+              <a:t>What are the top genres distributed by Netflix for tv shows in the last three years? (2019, 2020, 2021)</a:t>
             </a:r>
           </a:p>
         </p:txBody>
@@ -3195,8 +3227,8 @@
         </p:nvSpPr>
         <p:spPr>
           <a:xfrm>
-            <a:off x="8471760" y="1005260"/>
-            <a:ext cx="3605938" cy="2146742"/>
+            <a:off x="124568" y="5359273"/>
+            <a:ext cx="9148220" cy="1038746"/>
           </a:xfrm>
           <a:prstGeom prst="rect">
             <a:avLst/>
@@ -3250,7 +3282,20 @@
                 <a:ea typeface="Times New Roman" panose="02020603050405020304" pitchFamily="18" charset="0"/>
                 <a:cs typeface="Times New Roman" panose="02020603050405020304" pitchFamily="18" charset="0"/>
               </a:rPr>
-              <a:t>It is clear that tv show contents is dominated by kids’ tv genre followed by international tv shows.</a:t>
+              <a:t>Clear that tv show contents are dominated by kids’ tv genre followed </a:t>
+            </a:r>
+          </a:p>
+          <a:p>
+            <a:r>
+              <a:rPr lang="en-US" dirty="0">
+                <a:solidFill>
+                  <a:srgbClr val="000000"/>
+                </a:solidFill>
+                <a:latin typeface="Arial" panose="020B0604020202020204" pitchFamily="34" charset="0"/>
+                <a:ea typeface="Times New Roman" panose="02020603050405020304" pitchFamily="18" charset="0"/>
+                <a:cs typeface="Times New Roman" panose="02020603050405020304" pitchFamily="18" charset="0"/>
+              </a:rPr>
+              <a:t>     by international tv shows.</a:t>
             </a:r>
             <a:endParaRPr lang="en-US" sz="2400" dirty="0">
               <a:latin typeface="Calibri" panose="020F0502020204030204" pitchFamily="34" charset="0"/>
@@ -3260,42 +3305,6 @@
           </a:p>
         </p:txBody>
       </p:sp>
-      <p:pic>
-        <p:nvPicPr>
-          <p:cNvPr id="6" name="Picture 5" descr="Chart, funnel chart&#10;&#10;Description automatically generated">
-            <a:extLst>
-              <a:ext uri="{FF2B5EF4-FFF2-40B4-BE49-F238E27FC236}">
-                <a16:creationId xmlns:a16="http://schemas.microsoft.com/office/drawing/2014/main" id="{A87456AA-B02B-A44D-A4AE-F6849A7B4204}"/>
-              </a:ext>
-            </a:extLst>
-          </p:cNvPr>
-          <p:cNvPicPr>
-            <a:picLocks noChangeAspect="1"/>
-          </p:cNvPicPr>
-          <p:nvPr/>
-        </p:nvPicPr>
-        <p:blipFill>
-          <a:blip r:embed="rId2">
-            <a:extLst>
-              <a:ext uri="{28A0092B-C50C-407E-A947-70E740481C1C}">
-                <a14:useLocalDpi xmlns:a14="http://schemas.microsoft.com/office/drawing/2010/main" val="0"/>
-              </a:ext>
-            </a:extLst>
-          </a:blip>
-          <a:stretch>
-            <a:fillRect/>
-          </a:stretch>
-        </p:blipFill>
-        <p:spPr>
-          <a:xfrm>
-            <a:off x="109738" y="1100336"/>
-            <a:ext cx="8362021" cy="5757664"/>
-          </a:xfrm>
-          <a:prstGeom prst="rect">
-            <a:avLst/>
-          </a:prstGeom>
-        </p:spPr>
-      </p:pic>
     </p:spTree>
     <p:extLst>
       <p:ext uri="{BB962C8B-B14F-4D97-AF65-F5344CB8AC3E}">
@@ -4733,20 +4742,6 @@
               <a:buNone/>
               <a:tabLst/>
             </a:pPr>
-            <a:r>
-              <a:rPr kumimoji="0" lang="en-US" altLang="en-US" sz="1800" b="0" i="0" u="none" strike="noStrike" cap="none" normalizeH="0" baseline="0">
-                <a:ln>
-                  <a:noFill/>
-                </a:ln>
-                <a:solidFill>
-                  <a:srgbClr val="222222"/>
-                </a:solidFill>
-                <a:effectLst/>
-                <a:latin typeface="Arial" panose="020B0604020202020204" pitchFamily="34" charset="0"/>
-                <a:cs typeface="Arial" panose="020B0604020202020204" pitchFamily="34" charset="0"/>
-              </a:rPr>
-              <a:t/>
-            </a:r>
             <a:br>
               <a:rPr kumimoji="0" lang="en-US" altLang="en-US" sz="1800" b="0" i="0" u="none" strike="noStrike" cap="none" normalizeH="0" baseline="0">
                 <a:ln>
@@ -5597,7 +5592,7 @@
         </p:nvSpPr>
         <p:spPr>
           <a:xfrm>
-            <a:off x="6008186" y="1885127"/>
+            <a:off x="6212294" y="1981206"/>
             <a:ext cx="4520294" cy="830997"/>
           </a:xfrm>
           <a:prstGeom prst="rect">
@@ -5632,7 +5627,7 @@
         </p:nvSpPr>
         <p:spPr>
           <a:xfrm>
-            <a:off x="6025992" y="4621328"/>
+            <a:off x="6212294" y="4508203"/>
             <a:ext cx="4316186" cy="584775"/>
           </a:xfrm>
           <a:prstGeom prst="rect">
@@ -5648,7 +5643,7 @@
           <a:p>
             <a:r>
               <a:rPr lang="en-US" sz="1600" dirty="0"/>
-              <a:t> Even though movies appeared more often in the Top 10, shows spent far more time there</a:t>
+              <a:t>Even though movies appeared more often in the Top 10, shows spent far more time there</a:t>
             </a:r>
           </a:p>
         </p:txBody>
@@ -5724,7 +5719,7 @@
         </p:blipFill>
         <p:spPr>
           <a:xfrm>
-            <a:off x="292785" y="913378"/>
+            <a:off x="292785" y="836104"/>
             <a:ext cx="7090823" cy="2899204"/>
           </a:xfrm>
           <a:prstGeom prst="rect">
@@ -5760,7 +5755,7 @@
         </p:blipFill>
         <p:spPr>
           <a:xfrm>
-            <a:off x="1366650" y="3627705"/>
+            <a:off x="1366650" y="3615148"/>
             <a:ext cx="4943091" cy="2930547"/>
           </a:xfrm>
           <a:prstGeom prst="rect">
@@ -6223,7 +6218,7 @@
               <a:buChar char="•"/>
             </a:pPr>
             <a:r>
-              <a:rPr lang="en-US" sz="2400" b="0" i="0" dirty="0">
+              <a:rPr lang="en-US" sz="2400" i="0" dirty="0">
                 <a:solidFill>
                   <a:srgbClr val="000000"/>
                 </a:solidFill>
@@ -6242,7 +6237,7 @@
               <a:t>H</a:t>
             </a:r>
             <a:r>
-              <a:rPr lang="en-US" sz="2400" b="0" i="0" dirty="0">
+              <a:rPr lang="en-US" sz="2400" i="0" dirty="0">
                 <a:solidFill>
                   <a:srgbClr val="000000"/>
                 </a:solidFill>
@@ -6280,7 +6275,7 @@
                 </a:solidFill>
                 <a:latin typeface="Helvetica Neue"/>
               </a:rPr>
-              <a:t>    2) Specific genres of movies and TV shows based on past trends?</a:t>
+              <a:t>    2) Relationship between a country and the number of movies and TV shows?</a:t>
             </a:r>
           </a:p>
           <a:p>
@@ -6291,7 +6286,7 @@
                 </a:solidFill>
                 <a:latin typeface="Helvetica Neue"/>
               </a:rPr>
-              <a:t>    3) Relationship between a country and the number of movies and TV shows?</a:t>
+              <a:t>    3) Specific genres of movies and TV shows based on past trends?</a:t>
             </a:r>
           </a:p>
           <a:p>
@@ -6302,7 +6297,11 @@
                 </a:solidFill>
                 <a:latin typeface="Helvetica Neue"/>
               </a:rPr>
-              <a:t>    4) Does is this trend consistent each country?</a:t>
+              <a:t>    4) </a:t>
+            </a:r>
+            <a:r>
+              <a:rPr lang="en-US" sz="2400" dirty="0"/>
+              <a:t>What was the popular type of entertainment on Netflix during the pandemic?</a:t>
             </a:r>
           </a:p>
           <a:p>
@@ -6313,7 +6312,11 @@
                 </a:solidFill>
                 <a:latin typeface="Helvetica Neue"/>
               </a:rPr>
-              <a:t>    5) Is it reflection of what Netflix wants to focus on?  </a:t>
+              <a:t>    5) </a:t>
+            </a:r>
+            <a:r>
+              <a:rPr lang="en-US" sz="2400" dirty="0"/>
+              <a:t>What Kind of Content Appeared in the Daily Top 10?</a:t>
             </a:r>
           </a:p>
         </p:txBody>
@@ -6461,6 +6464,246 @@
     <p:extLst>
       <p:ext uri="{BB962C8B-B14F-4D97-AF65-F5344CB8AC3E}">
         <p14:creationId xmlns:p14="http://schemas.microsoft.com/office/powerpoint/2010/main" val="3026865914"/>
+      </p:ext>
+    </p:extLst>
+  </p:cSld>
+  <p:clrMapOvr>
+    <a:masterClrMapping/>
+  </p:clrMapOvr>
+</p:sld>
+</file>
+
+<file path=ppt/slides/slide20.xml><?xml version="1.0" encoding="utf-8"?>
+<p:sld xmlns:a="http://schemas.openxmlformats.org/drawingml/2006/main" xmlns:r="http://schemas.openxmlformats.org/officeDocument/2006/relationships" xmlns:p="http://schemas.openxmlformats.org/presentationml/2006/main">
+  <p:cSld>
+    <p:spTree>
+      <p:nvGrpSpPr>
+        <p:cNvPr id="1" name=""/>
+        <p:cNvGrpSpPr/>
+        <p:nvPr/>
+      </p:nvGrpSpPr>
+      <p:grpSpPr>
+        <a:xfrm>
+          <a:off x="0" y="0"/>
+          <a:ext cx="0" cy="0"/>
+          <a:chOff x="0" y="0"/>
+          <a:chExt cx="0" cy="0"/>
+        </a:xfrm>
+      </p:grpSpPr>
+      <p:sp>
+        <p:nvSpPr>
+          <p:cNvPr id="4" name="Text Placeholder 2">
+            <a:extLst>
+              <a:ext uri="{FF2B5EF4-FFF2-40B4-BE49-F238E27FC236}">
+                <a16:creationId xmlns:a16="http://schemas.microsoft.com/office/drawing/2014/main" id="{1F91A9FC-AD38-FCA7-9FA2-C720B8B71C85}"/>
+              </a:ext>
+            </a:extLst>
+          </p:cNvPr>
+          <p:cNvSpPr txBox="1">
+            <a:spLocks/>
+          </p:cNvSpPr>
+          <p:nvPr/>
+        </p:nvSpPr>
+        <p:spPr>
+          <a:xfrm>
+            <a:off x="2836779" y="2986455"/>
+            <a:ext cx="4509337" cy="885090"/>
+          </a:xfrm>
+          <a:prstGeom prst="rect">
+            <a:avLst/>
+          </a:prstGeom>
+        </p:spPr>
+        <p:txBody>
+          <a:bodyPr/>
+          <a:lstStyle>
+            <a:lvl1pPr marL="228600" indent="-228600" algn="l" defTabSz="914400" rtl="0" eaLnBrk="1" latinLnBrk="0" hangingPunct="1">
+              <a:lnSpc>
+                <a:spcPct val="90000"/>
+              </a:lnSpc>
+              <a:spcBef>
+                <a:spcPts val="1000"/>
+              </a:spcBef>
+              <a:buFontTx/>
+              <a:buBlip>
+                <a:blip r:embed="rId2"/>
+              </a:buBlip>
+              <a:defRPr sz="2800" b="0" i="0" kern="1200">
+                <a:solidFill>
+                  <a:schemeClr val="tx1"/>
+                </a:solidFill>
+                <a:latin typeface="Open Sans" panose="020B0606030504020204" pitchFamily="34" charset="0"/>
+                <a:ea typeface="Open Sans" panose="020B0606030504020204" pitchFamily="34" charset="0"/>
+                <a:cs typeface="Open Sans" panose="020B0606030504020204" pitchFamily="34" charset="0"/>
+              </a:defRPr>
+            </a:lvl1pPr>
+            <a:lvl2pPr marL="685800" indent="-228600" algn="l" defTabSz="914400" rtl="0" eaLnBrk="1" latinLnBrk="0" hangingPunct="1">
+              <a:lnSpc>
+                <a:spcPct val="90000"/>
+              </a:lnSpc>
+              <a:spcBef>
+                <a:spcPts val="500"/>
+              </a:spcBef>
+              <a:buFontTx/>
+              <a:buBlip>
+                <a:blip r:embed="rId2"/>
+              </a:buBlip>
+              <a:defRPr sz="2400" b="0" i="0" kern="1200">
+                <a:solidFill>
+                  <a:schemeClr val="tx1"/>
+                </a:solidFill>
+                <a:latin typeface="Open Sans" panose="020B0606030504020204" pitchFamily="34" charset="0"/>
+                <a:ea typeface="Open Sans" panose="020B0606030504020204" pitchFamily="34" charset="0"/>
+                <a:cs typeface="Open Sans" panose="020B0606030504020204" pitchFamily="34" charset="0"/>
+              </a:defRPr>
+            </a:lvl2pPr>
+            <a:lvl3pPr marL="1143000" indent="-228600" algn="l" defTabSz="914400" rtl="0" eaLnBrk="1" latinLnBrk="0" hangingPunct="1">
+              <a:lnSpc>
+                <a:spcPct val="90000"/>
+              </a:lnSpc>
+              <a:spcBef>
+                <a:spcPts val="500"/>
+              </a:spcBef>
+              <a:buFontTx/>
+              <a:buBlip>
+                <a:blip r:embed="rId2"/>
+              </a:buBlip>
+              <a:defRPr sz="2000" b="0" i="0" kern="1200">
+                <a:solidFill>
+                  <a:schemeClr val="tx1"/>
+                </a:solidFill>
+                <a:latin typeface="Open Sans" panose="020B0606030504020204" pitchFamily="34" charset="0"/>
+                <a:ea typeface="Open Sans" panose="020B0606030504020204" pitchFamily="34" charset="0"/>
+                <a:cs typeface="Open Sans" panose="020B0606030504020204" pitchFamily="34" charset="0"/>
+              </a:defRPr>
+            </a:lvl3pPr>
+            <a:lvl4pPr marL="1600200" indent="-228600" algn="l" defTabSz="914400" rtl="0" eaLnBrk="1" latinLnBrk="0" hangingPunct="1">
+              <a:lnSpc>
+                <a:spcPct val="90000"/>
+              </a:lnSpc>
+              <a:spcBef>
+                <a:spcPts val="500"/>
+              </a:spcBef>
+              <a:buFontTx/>
+              <a:buBlip>
+                <a:blip r:embed="rId2"/>
+              </a:buBlip>
+              <a:defRPr sz="1800" b="0" i="0" kern="1200">
+                <a:solidFill>
+                  <a:schemeClr val="tx1"/>
+                </a:solidFill>
+                <a:latin typeface="Open Sans" panose="020B0606030504020204" pitchFamily="34" charset="0"/>
+                <a:ea typeface="Open Sans" panose="020B0606030504020204" pitchFamily="34" charset="0"/>
+                <a:cs typeface="Open Sans" panose="020B0606030504020204" pitchFamily="34" charset="0"/>
+              </a:defRPr>
+            </a:lvl4pPr>
+            <a:lvl5pPr marL="2057400" indent="-228600" algn="l" defTabSz="914400" rtl="0" eaLnBrk="1" latinLnBrk="0" hangingPunct="1">
+              <a:lnSpc>
+                <a:spcPct val="90000"/>
+              </a:lnSpc>
+              <a:spcBef>
+                <a:spcPts val="500"/>
+              </a:spcBef>
+              <a:buFontTx/>
+              <a:buBlip>
+                <a:blip r:embed="rId2"/>
+              </a:buBlip>
+              <a:defRPr sz="1800" b="0" i="0" kern="1200">
+                <a:solidFill>
+                  <a:schemeClr val="tx1"/>
+                </a:solidFill>
+                <a:latin typeface="Open Sans" panose="020B0606030504020204" pitchFamily="34" charset="0"/>
+                <a:ea typeface="Open Sans" panose="020B0606030504020204" pitchFamily="34" charset="0"/>
+                <a:cs typeface="Open Sans" panose="020B0606030504020204" pitchFamily="34" charset="0"/>
+              </a:defRPr>
+            </a:lvl5pPr>
+            <a:lvl6pPr marL="2514600" indent="-228600" algn="l" defTabSz="914400" rtl="0" eaLnBrk="1" latinLnBrk="0" hangingPunct="1">
+              <a:lnSpc>
+                <a:spcPct val="90000"/>
+              </a:lnSpc>
+              <a:spcBef>
+                <a:spcPts val="500"/>
+              </a:spcBef>
+              <a:buFont typeface="Arial" panose="020B0604020202020204" pitchFamily="34" charset="0"/>
+              <a:buChar char="•"/>
+              <a:defRPr sz="1800" kern="1200">
+                <a:solidFill>
+                  <a:schemeClr val="tx1"/>
+                </a:solidFill>
+                <a:latin typeface="+mn-lt"/>
+                <a:ea typeface="+mn-ea"/>
+                <a:cs typeface="+mn-cs"/>
+              </a:defRPr>
+            </a:lvl6pPr>
+            <a:lvl7pPr marL="2971800" indent="-228600" algn="l" defTabSz="914400" rtl="0" eaLnBrk="1" latinLnBrk="0" hangingPunct="1">
+              <a:lnSpc>
+                <a:spcPct val="90000"/>
+              </a:lnSpc>
+              <a:spcBef>
+                <a:spcPts val="500"/>
+              </a:spcBef>
+              <a:buFont typeface="Arial" panose="020B0604020202020204" pitchFamily="34" charset="0"/>
+              <a:buChar char="•"/>
+              <a:defRPr sz="1800" kern="1200">
+                <a:solidFill>
+                  <a:schemeClr val="tx1"/>
+                </a:solidFill>
+                <a:latin typeface="+mn-lt"/>
+                <a:ea typeface="+mn-ea"/>
+                <a:cs typeface="+mn-cs"/>
+              </a:defRPr>
+            </a:lvl7pPr>
+            <a:lvl8pPr marL="3429000" indent="-228600" algn="l" defTabSz="914400" rtl="0" eaLnBrk="1" latinLnBrk="0" hangingPunct="1">
+              <a:lnSpc>
+                <a:spcPct val="90000"/>
+              </a:lnSpc>
+              <a:spcBef>
+                <a:spcPts val="500"/>
+              </a:spcBef>
+              <a:buFont typeface="Arial" panose="020B0604020202020204" pitchFamily="34" charset="0"/>
+              <a:buChar char="•"/>
+              <a:defRPr sz="1800" kern="1200">
+                <a:solidFill>
+                  <a:schemeClr val="tx1"/>
+                </a:solidFill>
+                <a:latin typeface="+mn-lt"/>
+                <a:ea typeface="+mn-ea"/>
+                <a:cs typeface="+mn-cs"/>
+              </a:defRPr>
+            </a:lvl8pPr>
+            <a:lvl9pPr marL="3886200" indent="-228600" algn="l" defTabSz="914400" rtl="0" eaLnBrk="1" latinLnBrk="0" hangingPunct="1">
+              <a:lnSpc>
+                <a:spcPct val="90000"/>
+              </a:lnSpc>
+              <a:spcBef>
+                <a:spcPts val="500"/>
+              </a:spcBef>
+              <a:buFont typeface="Arial" panose="020B0604020202020204" pitchFamily="34" charset="0"/>
+              <a:buChar char="•"/>
+              <a:defRPr sz="1800" kern="1200">
+                <a:solidFill>
+                  <a:schemeClr val="tx1"/>
+                </a:solidFill>
+                <a:latin typeface="+mn-lt"/>
+                <a:ea typeface="+mn-ea"/>
+                <a:cs typeface="+mn-cs"/>
+              </a:defRPr>
+            </a:lvl9pPr>
+          </a:lstStyle>
+          <a:p>
+            <a:pPr marL="0" indent="0" algn="ctr">
+              <a:buNone/>
+            </a:pPr>
+            <a:r>
+              <a:rPr lang="en-GB" sz="4800" b="1" dirty="0"/>
+              <a:t>Thank you!</a:t>
+            </a:r>
+          </a:p>
+        </p:txBody>
+      </p:sp>
+    </p:spTree>
+    <p:extLst>
+      <p:ext uri="{BB962C8B-B14F-4D97-AF65-F5344CB8AC3E}">
+        <p14:creationId xmlns:p14="http://schemas.microsoft.com/office/powerpoint/2010/main" val="3432046667"/>
       </p:ext>
     </p:extLst>
   </p:cSld>
@@ -8514,7 +8757,7 @@
         </p:blipFill>
         <p:spPr>
           <a:xfrm>
-            <a:off x="2053811" y="1437752"/>
+            <a:off x="330879" y="1128659"/>
             <a:ext cx="4889430" cy="4889430"/>
           </a:xfrm>
           <a:prstGeom prst="rect">
@@ -8575,8 +8818,8 @@
         </p:nvSpPr>
         <p:spPr>
           <a:xfrm>
-            <a:off x="7398393" y="1437752"/>
-            <a:ext cx="4624251" cy="1754326"/>
+            <a:off x="5389289" y="2448806"/>
+            <a:ext cx="6471832" cy="1477328"/>
           </a:xfrm>
           <a:prstGeom prst="rect">
             <a:avLst/>
@@ -8657,8 +8900,8 @@
         </p:nvSpPr>
         <p:spPr>
           <a:xfrm>
-            <a:off x="371957" y="126965"/>
-            <a:ext cx="8214103" cy="707886"/>
+            <a:off x="371957" y="139844"/>
+            <a:ext cx="10985060" cy="707886"/>
           </a:xfrm>
           <a:prstGeom prst="rect">
             <a:avLst/>
@@ -8677,7 +8920,18 @@
                 <a:ea typeface="Open Sans" panose="020B0606030504020204" pitchFamily="34" charset="0"/>
                 <a:cs typeface="Open Sans" panose="020B0606030504020204" pitchFamily="34" charset="0"/>
               </a:rPr>
-              <a:t>What are the top genres distributed by Netflix for movies in the last three years (2019, 2020, 2021)?</a:t>
+              <a:t>What are the top genres distributed by Netflix for movies in the last three years? </a:t>
+            </a:r>
+          </a:p>
+          <a:p>
+            <a:pPr algn="ctr"/>
+            <a:r>
+              <a:rPr lang="en-US" sz="2000" b="1" dirty="0">
+                <a:latin typeface="Open Sans" panose="020B0606030504020204" pitchFamily="34" charset="0"/>
+                <a:ea typeface="Open Sans" panose="020B0606030504020204" pitchFamily="34" charset="0"/>
+                <a:cs typeface="Open Sans" panose="020B0606030504020204" pitchFamily="34" charset="0"/>
+              </a:rPr>
+              <a:t>(2019, 2020, 2021)</a:t>
             </a:r>
           </a:p>
         </p:txBody>
@@ -8696,8 +8950,8 @@
         </p:nvSpPr>
         <p:spPr>
           <a:xfrm>
-            <a:off x="8471760" y="1005260"/>
-            <a:ext cx="3605938" cy="2146742"/>
+            <a:off x="146573" y="5241818"/>
+            <a:ext cx="8439487" cy="1315745"/>
           </a:xfrm>
           <a:prstGeom prst="rect">
             <a:avLst/>
@@ -8763,10 +9017,10 @@
       </p:sp>
       <p:pic>
         <p:nvPicPr>
-          <p:cNvPr id="7" name="Picture 6">
+          <p:cNvPr id="9" name="Picture 8">
             <a:extLst>
               <a:ext uri="{FF2B5EF4-FFF2-40B4-BE49-F238E27FC236}">
-                <a16:creationId xmlns:a16="http://schemas.microsoft.com/office/drawing/2014/main" id="{ABA7F758-042F-2146-AD19-DF90D957894E}"/>
+                <a16:creationId xmlns:a16="http://schemas.microsoft.com/office/drawing/2014/main" id="{25087EB4-0843-0F67-EFA3-086F83DB673C}"/>
               </a:ext>
             </a:extLst>
           </p:cNvPr>
@@ -8776,21 +9030,15 @@
           <p:nvPr/>
         </p:nvPicPr>
         <p:blipFill>
-          <a:blip r:embed="rId2">
-            <a:extLst>
-              <a:ext uri="{28A0092B-C50C-407E-A947-70E740481C1C}">
-                <a14:useLocalDpi xmlns:a14="http://schemas.microsoft.com/office/drawing/2010/main" val="0"/>
-              </a:ext>
-            </a:extLst>
-          </a:blip>
+          <a:blip r:embed="rId2"/>
           <a:stretch>
             <a:fillRect/>
           </a:stretch>
         </p:blipFill>
         <p:spPr>
           <a:xfrm>
-            <a:off x="0" y="834851"/>
-            <a:ext cx="8471760" cy="5697023"/>
+            <a:off x="146573" y="1012886"/>
+            <a:ext cx="10522035" cy="4063776"/>
           </a:xfrm>
           <a:prstGeom prst="rect">
             <a:avLst/>
